--- a/Group5_Presentation1.pptx
+++ b/Group5_Presentation1.pptx
@@ -7,8 +7,11 @@
   <p:sldIdLst>
     <p:sldId id="256" r:id="rId2"/>
     <p:sldId id="257" r:id="rId3"/>
-    <p:sldId id="260" r:id="rId4"/>
-    <p:sldId id="259" r:id="rId5"/>
+    <p:sldId id="261" r:id="rId4"/>
+    <p:sldId id="262" r:id="rId5"/>
+    <p:sldId id="260" r:id="rId6"/>
+    <p:sldId id="259" r:id="rId7"/>
+    <p:sldId id="263" r:id="rId8"/>
   </p:sldIdLst>
   <p:sldSz cx="12192000" cy="6858000"/>
   <p:notesSz cx="6858000" cy="9144000"/>
@@ -837,7 +840,7 @@
           <a:p>
             <a:fld id="{243C8086-D2C1-444F-980E-76D9DFFFA73A}" type="datetimeFigureOut">
               <a:rPr lang="en-US" smtClean="0"/>
-              <a:t>6/26/2022</a:t>
+              <a:t>6/27/2022</a:t>
             </a:fld>
             <a:endParaRPr lang="en-US"/>
           </a:p>
@@ -1088,7 +1091,7 @@
           <a:p>
             <a:fld id="{243C8086-D2C1-444F-980E-76D9DFFFA73A}" type="datetimeFigureOut">
               <a:rPr lang="en-US" smtClean="0"/>
-              <a:t>6/26/2022</a:t>
+              <a:t>6/27/2022</a:t>
             </a:fld>
             <a:endParaRPr lang="en-US"/>
           </a:p>
@@ -1402,7 +1405,7 @@
           <a:p>
             <a:fld id="{243C8086-D2C1-444F-980E-76D9DFFFA73A}" type="datetimeFigureOut">
               <a:rPr lang="en-US" smtClean="0"/>
-              <a:t>6/26/2022</a:t>
+              <a:t>6/27/2022</a:t>
             </a:fld>
             <a:endParaRPr lang="en-US"/>
           </a:p>
@@ -1743,7 +1746,7 @@
           <a:p>
             <a:fld id="{243C8086-D2C1-444F-980E-76D9DFFFA73A}" type="datetimeFigureOut">
               <a:rPr lang="en-US" smtClean="0"/>
-              <a:t>6/26/2022</a:t>
+              <a:t>6/27/2022</a:t>
             </a:fld>
             <a:endParaRPr lang="en-US"/>
           </a:p>
@@ -2057,7 +2060,7 @@
           <a:p>
             <a:fld id="{243C8086-D2C1-444F-980E-76D9DFFFA73A}" type="datetimeFigureOut">
               <a:rPr lang="en-US" smtClean="0"/>
-              <a:t>6/26/2022</a:t>
+              <a:t>6/27/2022</a:t>
             </a:fld>
             <a:endParaRPr lang="en-US"/>
           </a:p>
@@ -2450,7 +2453,7 @@
           <a:p>
             <a:fld id="{243C8086-D2C1-444F-980E-76D9DFFFA73A}" type="datetimeFigureOut">
               <a:rPr lang="en-US" smtClean="0"/>
-              <a:t>6/26/2022</a:t>
+              <a:t>6/27/2022</a:t>
             </a:fld>
             <a:endParaRPr lang="en-US"/>
           </a:p>
@@ -2620,7 +2623,7 @@
           <a:p>
             <a:fld id="{243C8086-D2C1-444F-980E-76D9DFFFA73A}" type="datetimeFigureOut">
               <a:rPr lang="en-US" smtClean="0"/>
-              <a:t>6/26/2022</a:t>
+              <a:t>6/27/2022</a:t>
             </a:fld>
             <a:endParaRPr lang="en-US"/>
           </a:p>
@@ -2800,7 +2803,7 @@
           <a:p>
             <a:fld id="{243C8086-D2C1-444F-980E-76D9DFFFA73A}" type="datetimeFigureOut">
               <a:rPr lang="en-US" smtClean="0"/>
-              <a:t>6/26/2022</a:t>
+              <a:t>6/27/2022</a:t>
             </a:fld>
             <a:endParaRPr lang="en-US"/>
           </a:p>
@@ -2976,7 +2979,7 @@
           <a:p>
             <a:fld id="{243C8086-D2C1-444F-980E-76D9DFFFA73A}" type="datetimeFigureOut">
               <a:rPr lang="en-US" smtClean="0"/>
-              <a:t>6/26/2022</a:t>
+              <a:t>6/27/2022</a:t>
             </a:fld>
             <a:endParaRPr lang="en-US"/>
           </a:p>
@@ -3223,7 +3226,7 @@
           <a:p>
             <a:fld id="{243C8086-D2C1-444F-980E-76D9DFFFA73A}" type="datetimeFigureOut">
               <a:rPr lang="en-US" smtClean="0"/>
-              <a:t>6/26/2022</a:t>
+              <a:t>6/27/2022</a:t>
             </a:fld>
             <a:endParaRPr lang="en-US"/>
           </a:p>
@@ -3455,7 +3458,7 @@
           <a:p>
             <a:fld id="{243C8086-D2C1-444F-980E-76D9DFFFA73A}" type="datetimeFigureOut">
               <a:rPr lang="en-US" smtClean="0"/>
-              <a:t>6/26/2022</a:t>
+              <a:t>6/27/2022</a:t>
             </a:fld>
             <a:endParaRPr lang="en-US"/>
           </a:p>
@@ -3829,7 +3832,7 @@
           <a:p>
             <a:fld id="{243C8086-D2C1-444F-980E-76D9DFFFA73A}" type="datetimeFigureOut">
               <a:rPr lang="en-US" smtClean="0"/>
-              <a:t>6/26/2022</a:t>
+              <a:t>6/27/2022</a:t>
             </a:fld>
             <a:endParaRPr lang="en-US"/>
           </a:p>
@@ -3952,7 +3955,7 @@
           <a:p>
             <a:fld id="{243C8086-D2C1-444F-980E-76D9DFFFA73A}" type="datetimeFigureOut">
               <a:rPr lang="en-US" smtClean="0"/>
-              <a:t>6/26/2022</a:t>
+              <a:t>6/27/2022</a:t>
             </a:fld>
             <a:endParaRPr lang="en-US"/>
           </a:p>
@@ -4047,7 +4050,7 @@
           <a:p>
             <a:fld id="{243C8086-D2C1-444F-980E-76D9DFFFA73A}" type="datetimeFigureOut">
               <a:rPr lang="en-US" smtClean="0"/>
-              <a:t>6/26/2022</a:t>
+              <a:t>6/27/2022</a:t>
             </a:fld>
             <a:endParaRPr lang="en-US"/>
           </a:p>
@@ -4302,7 +4305,7 @@
           <a:p>
             <a:fld id="{243C8086-D2C1-444F-980E-76D9DFFFA73A}" type="datetimeFigureOut">
               <a:rPr lang="en-US" smtClean="0"/>
-              <a:t>6/26/2022</a:t>
+              <a:t>6/27/2022</a:t>
             </a:fld>
             <a:endParaRPr lang="en-US"/>
           </a:p>
@@ -4565,7 +4568,7 @@
           <a:p>
             <a:fld id="{243C8086-D2C1-444F-980E-76D9DFFFA73A}" type="datetimeFigureOut">
               <a:rPr lang="en-US" smtClean="0"/>
-              <a:t>6/26/2022</a:t>
+              <a:t>6/27/2022</a:t>
             </a:fld>
             <a:endParaRPr lang="en-US"/>
           </a:p>
@@ -5308,7 +5311,7 @@
           <a:p>
             <a:fld id="{243C8086-D2C1-444F-980E-76D9DFFFA73A}" type="datetimeFigureOut">
               <a:rPr lang="en-US" smtClean="0"/>
-              <a:t>6/26/2022</a:t>
+              <a:t>6/27/2022</a:t>
             </a:fld>
             <a:endParaRPr lang="en-US"/>
           </a:p>
@@ -5403,7 +5406,7 @@
           <p:nvPr userDrawn="1">
             <p:extLst>
               <p:ext uri="{1162E1C5-73C7-4A58-AE30-91384D911F3F}">
-                <p184:classification xmlns:p184="http://schemas.microsoft.com/office/powerpoint/2018/4/main" xmlns="" val="ftr"/>
+                <p184:classification xmlns="" xmlns:p184="http://schemas.microsoft.com/office/powerpoint/2018/4/main" val="ftr"/>
               </p:ext>
             </p:extLst>
           </p:nvPr>
@@ -6254,8 +6257,8 @@
         </p:nvSpPr>
         <p:spPr>
           <a:xfrm>
-            <a:off x="677331" y="3534959"/>
-            <a:ext cx="8270021" cy="369332"/>
+            <a:off x="677329" y="3299364"/>
+            <a:ext cx="8270021" cy="923330"/>
           </a:xfrm>
           <a:prstGeom prst="rect">
             <a:avLst/>
@@ -6274,7 +6277,23 @@
             </a:pPr>
             <a:r>
               <a:rPr lang="en-US" dirty="0" smtClean="0"/>
-              <a:t>Total clean energy potential vs total energy consumption.</a:t>
+              <a:t>To analyze total </a:t>
+            </a:r>
+            <a:r>
+              <a:rPr lang="en-US" dirty="0" smtClean="0"/>
+              <a:t>clean energy potential vs </a:t>
+            </a:r>
+            <a:r>
+              <a:rPr lang="en-US" dirty="0" smtClean="0"/>
+              <a:t>current total </a:t>
+            </a:r>
+            <a:r>
+              <a:rPr lang="en-US" dirty="0" smtClean="0"/>
+              <a:t>energy </a:t>
+            </a:r>
+            <a:r>
+              <a:rPr lang="en-US" dirty="0" smtClean="0"/>
+              <a:t>consumption to see if the states have enough potential to fulfill their energy demand by going all renewable.</a:t>
             </a:r>
             <a:endParaRPr lang="en-US" dirty="0"/>
           </a:p>
@@ -6308,7 +6327,11 @@
             </a:pPr>
             <a:r>
               <a:rPr lang="en-US" dirty="0" smtClean="0"/>
-              <a:t>Solar power Energy.</a:t>
+              <a:t>Solar power </a:t>
+            </a:r>
+            <a:r>
+              <a:rPr lang="en-US" dirty="0" smtClean="0"/>
+              <a:t>Energy</a:t>
             </a:r>
             <a:endParaRPr lang="en-US" dirty="0"/>
           </a:p>
@@ -6342,7 +6365,11 @@
             </a:pPr>
             <a:r>
               <a:rPr lang="en-US" dirty="0" smtClean="0"/>
-              <a:t>Wind power  Energy.</a:t>
+              <a:t>Wind power  </a:t>
+            </a:r>
+            <a:r>
+              <a:rPr lang="en-US" dirty="0" smtClean="0"/>
+              <a:t>Energy</a:t>
             </a:r>
             <a:endParaRPr lang="en-US" dirty="0"/>
           </a:p>
@@ -6376,7 +6403,11 @@
             </a:pPr>
             <a:r>
               <a:rPr lang="en-US" dirty="0" smtClean="0"/>
-              <a:t>Hydro power Energy.</a:t>
+              <a:t>Hydro power </a:t>
+            </a:r>
+            <a:r>
+              <a:rPr lang="en-US" dirty="0" smtClean="0"/>
+              <a:t>Energy</a:t>
             </a:r>
             <a:endParaRPr lang="en-US" dirty="0"/>
           </a:p>
@@ -6410,7 +6441,11 @@
             </a:pPr>
             <a:r>
               <a:rPr lang="en-US" dirty="0" smtClean="0"/>
-              <a:t>Geothermal Energy.</a:t>
+              <a:t>Geothermal </a:t>
+            </a:r>
+            <a:r>
+              <a:rPr lang="en-US" dirty="0" smtClean="0"/>
+              <a:t>Energy</a:t>
             </a:r>
             <a:endParaRPr lang="en-US" dirty="0"/>
           </a:p>
@@ -6444,7 +6479,11 @@
             </a:pPr>
             <a:r>
               <a:rPr lang="en-US" dirty="0" smtClean="0"/>
-              <a:t>Bio power Energy.</a:t>
+              <a:t>Bio power </a:t>
+            </a:r>
+            <a:r>
+              <a:rPr lang="en-US" dirty="0" smtClean="0"/>
+              <a:t>Energy</a:t>
             </a:r>
             <a:endParaRPr lang="en-US" dirty="0"/>
           </a:p>
@@ -6466,7 +6505,7 @@
         </p:nvSpPr>
         <p:spPr>
           <a:xfrm>
-            <a:off x="514007" y="4157674"/>
+            <a:off x="514007" y="4253331"/>
             <a:ext cx="8596668" cy="648385"/>
           </a:xfrm>
           <a:prstGeom prst="rect">
@@ -6771,7 +6810,7 @@
         <p:spPr>
           <a:xfrm>
             <a:off x="677329" y="5716565"/>
-            <a:ext cx="8958283" cy="369332"/>
+            <a:ext cx="8958283" cy="646331"/>
           </a:xfrm>
           <a:prstGeom prst="rect">
             <a:avLst/>
@@ -6794,7 +6833,19 @@
             </a:r>
             <a:r>
               <a:rPr lang="en-US" dirty="0" smtClean="0"/>
-              <a:t>-JS, Leaflet, Flask, Html, CSS, Bootstrap for visualization and Deployment.</a:t>
+              <a:t>-JS, </a:t>
+            </a:r>
+            <a:r>
+              <a:rPr lang="en-US" dirty="0" err="1" smtClean="0"/>
+              <a:t>ApexCharts</a:t>
+            </a:r>
+            <a:r>
+              <a:rPr lang="en-US" dirty="0" smtClean="0"/>
+              <a:t>-JS, Leaflet</a:t>
+            </a:r>
+            <a:r>
+              <a:rPr lang="en-US" dirty="0" smtClean="0"/>
+              <a:t>, Flask, Html, CSS, Bootstrap for visualization and Deployment.</a:t>
             </a:r>
             <a:endParaRPr lang="en-US" dirty="0"/>
           </a:p>
@@ -6832,7 +6883,7 @@
       </p:grpSpPr>
       <p:sp>
         <p:nvSpPr>
-          <p:cNvPr id="2" name="Title 1">
+          <p:cNvPr id="4" name="Title 1">
             <a:extLst>
               <a:ext uri="{FF2B5EF4-FFF2-40B4-BE49-F238E27FC236}">
                 <a16:creationId xmlns:a16="http://schemas.microsoft.com/office/drawing/2014/main" id="{22539341-1C65-47DC-A666-28451C56CE83}"/>
@@ -6848,7 +6899,7 @@
         </p:nvSpPr>
         <p:spPr>
           <a:xfrm>
-            <a:off x="677334" y="609600"/>
+            <a:off x="350684" y="349767"/>
             <a:ext cx="8596668" cy="757382"/>
           </a:xfrm>
         </p:spPr>
@@ -6857,9 +6908,10 @@
           <a:lstStyle/>
           <a:p>
             <a:r>
-              <a:rPr lang="en-US" dirty="0"/>
-              <a:t>Troubleshooting</a:t>
-            </a:r>
+              <a:rPr lang="en-US" dirty="0" smtClean="0"/>
+              <a:t>Visualization Methods: </a:t>
+            </a:r>
+            <a:endParaRPr lang="en-US" dirty="0"/>
           </a:p>
         </p:txBody>
       </p:sp>
@@ -6871,8 +6923,8 @@
         </p:nvSpPr>
         <p:spPr>
           <a:xfrm>
-            <a:off x="1592826" y="1887794"/>
-            <a:ext cx="1882247" cy="369332"/>
+            <a:off x="913347" y="1347020"/>
+            <a:ext cx="8238346" cy="707886"/>
           </a:xfrm>
           <a:prstGeom prst="rect">
             <a:avLst/>
@@ -6890,10 +6942,20 @@
               <a:buChar char="•"/>
             </a:pPr>
             <a:r>
-              <a:rPr lang="en-US" dirty="0" smtClean="0"/>
-              <a:t>Data cleaning</a:t>
-            </a:r>
-            <a:endParaRPr lang="en-US" dirty="0"/>
+              <a:rPr lang="en-US" sz="2000" dirty="0" smtClean="0"/>
+              <a:t>We used Plotly-JavaScript to create Pie chart and Bar chart plot for</a:t>
+            </a:r>
+          </a:p>
+          <a:p>
+            <a:r>
+              <a:rPr lang="en-US" sz="2000" dirty="0"/>
+              <a:t> </a:t>
+            </a:r>
+            <a:r>
+              <a:rPr lang="en-US" sz="2000" dirty="0" smtClean="0"/>
+              <a:t>    each state with dropdown selection option.</a:t>
+            </a:r>
+            <a:endParaRPr lang="en-US" sz="2000" dirty="0"/>
           </a:p>
         </p:txBody>
       </p:sp>
@@ -6905,8 +6967,8 @@
         </p:nvSpPr>
         <p:spPr>
           <a:xfrm>
-            <a:off x="1592826" y="2408606"/>
-            <a:ext cx="2347117" cy="369332"/>
+            <a:off x="1769806" y="2294777"/>
+            <a:ext cx="7603748" cy="369332"/>
           </a:xfrm>
           <a:prstGeom prst="rect">
             <a:avLst/>
@@ -6925,7 +6987,7 @@
             </a:pPr>
             <a:r>
               <a:rPr lang="en-US" dirty="0" smtClean="0"/>
-              <a:t>Database creation</a:t>
+              <a:t>Pie chart represents the different renewable energy types potential.</a:t>
             </a:r>
             <a:endParaRPr lang="en-US" dirty="0"/>
           </a:p>
@@ -6939,8 +7001,8 @@
         </p:nvSpPr>
         <p:spPr>
           <a:xfrm>
-            <a:off x="1592826" y="2924827"/>
-            <a:ext cx="3783408" cy="369332"/>
+            <a:off x="1769806" y="2806055"/>
+            <a:ext cx="8013732" cy="646331"/>
           </a:xfrm>
           <a:prstGeom prst="rect">
             <a:avLst/>
@@ -6959,16 +7021,56 @@
             </a:pPr>
             <a:r>
               <a:rPr lang="en-US" dirty="0" smtClean="0"/>
-              <a:t>Jsonify the data from database.</a:t>
+              <a:t>Bar chart represents the total potential for renewable energy along with</a:t>
+            </a:r>
+          </a:p>
+          <a:p>
+            <a:r>
+              <a:rPr lang="en-US" dirty="0"/>
+              <a:t> </a:t>
+            </a:r>
+            <a:r>
+              <a:rPr lang="en-US" dirty="0" smtClean="0"/>
+              <a:t>   current total consumption and excess energy capacity .</a:t>
             </a:r>
             <a:endParaRPr lang="en-US" dirty="0"/>
           </a:p>
         </p:txBody>
       </p:sp>
+      <p:pic>
+        <p:nvPicPr>
+          <p:cNvPr id="9" name="Picture 8"/>
+          <p:cNvPicPr>
+            <a:picLocks noChangeAspect="1"/>
+          </p:cNvPicPr>
+          <p:nvPr/>
+        </p:nvPicPr>
+        <p:blipFill>
+          <a:blip r:embed="rId2">
+            <a:extLst>
+              <a:ext uri="{28A0092B-C50C-407E-A947-70E740481C1C}">
+                <a14:useLocalDpi xmlns:a14="http://schemas.microsoft.com/office/drawing/2010/main" val="0"/>
+              </a:ext>
+            </a:extLst>
+          </a:blip>
+          <a:stretch>
+            <a:fillRect/>
+          </a:stretch>
+        </p:blipFill>
+        <p:spPr>
+          <a:xfrm>
+            <a:off x="2271250" y="3731983"/>
+            <a:ext cx="5869859" cy="2782570"/>
+          </a:xfrm>
+          <a:prstGeom prst="rect">
+            <a:avLst/>
+          </a:prstGeom>
+        </p:spPr>
+      </p:pic>
     </p:spTree>
     <p:extLst>
       <p:ext uri="{BB962C8B-B14F-4D97-AF65-F5344CB8AC3E}">
-        <p14:creationId xmlns:p14="http://schemas.microsoft.com/office/powerpoint/2010/main" val="4137323966"/>
+        <p14:creationId xmlns:p14="http://schemas.microsoft.com/office/powerpoint/2010/main" val="924006434"/>
       </p:ext>
     </p:extLst>
   </p:cSld>
@@ -6997,6 +7099,227 @@
       </p:grpSpPr>
       <p:sp>
         <p:nvSpPr>
+          <p:cNvPr id="4" name="Title 1">
+            <a:extLst>
+              <a:ext uri="{FF2B5EF4-FFF2-40B4-BE49-F238E27FC236}">
+                <a16:creationId xmlns:a16="http://schemas.microsoft.com/office/drawing/2014/main" id="{22539341-1C65-47DC-A666-28451C56CE83}"/>
+              </a:ext>
+            </a:extLst>
+          </p:cNvPr>
+          <p:cNvSpPr>
+            <a:spLocks noGrp="1"/>
+          </p:cNvSpPr>
+          <p:nvPr>
+            <p:ph type="title"/>
+          </p:nvPr>
+        </p:nvSpPr>
+        <p:spPr>
+          <a:xfrm>
+            <a:off x="350684" y="349767"/>
+            <a:ext cx="8596668" cy="757382"/>
+          </a:xfrm>
+        </p:spPr>
+        <p:txBody>
+          <a:bodyPr/>
+          <a:lstStyle/>
+          <a:p>
+            <a:r>
+              <a:rPr lang="en-US" dirty="0" smtClean="0"/>
+              <a:t>Visualization Methods: </a:t>
+            </a:r>
+            <a:endParaRPr lang="en-US" dirty="0"/>
+          </a:p>
+        </p:txBody>
+      </p:sp>
+      <p:sp>
+        <p:nvSpPr>
+          <p:cNvPr id="5" name="TextBox 4"/>
+          <p:cNvSpPr txBox="1"/>
+          <p:nvPr/>
+        </p:nvSpPr>
+        <p:spPr>
+          <a:xfrm>
+            <a:off x="913347" y="1347020"/>
+            <a:ext cx="8161827" cy="707886"/>
+          </a:xfrm>
+          <a:prstGeom prst="rect">
+            <a:avLst/>
+          </a:prstGeom>
+          <a:noFill/>
+        </p:spPr>
+        <p:txBody>
+          <a:bodyPr wrap="square" rtlCol="0">
+            <a:spAutoFit/>
+          </a:bodyPr>
+          <a:lstStyle/>
+          <a:p>
+            <a:pPr marL="285750" indent="-285750">
+              <a:buFont typeface="Arial" panose="020B0604020202020204" pitchFamily="34" charset="0"/>
+              <a:buChar char="•"/>
+            </a:pPr>
+            <a:r>
+              <a:rPr lang="en-US" sz="2000" dirty="0" smtClean="0"/>
+              <a:t>We used leaflet choropleth to show heat map excess capacity for each State.</a:t>
+            </a:r>
+            <a:endParaRPr lang="en-US" sz="2000" dirty="0"/>
+          </a:p>
+        </p:txBody>
+      </p:sp>
+      <p:sp>
+        <p:nvSpPr>
+          <p:cNvPr id="8" name="TextBox 7"/>
+          <p:cNvSpPr txBox="1"/>
+          <p:nvPr/>
+        </p:nvSpPr>
+        <p:spPr>
+          <a:xfrm>
+            <a:off x="913347" y="2123768"/>
+            <a:ext cx="8161827" cy="707886"/>
+          </a:xfrm>
+          <a:prstGeom prst="rect">
+            <a:avLst/>
+          </a:prstGeom>
+          <a:noFill/>
+        </p:spPr>
+        <p:txBody>
+          <a:bodyPr wrap="square" rtlCol="0">
+            <a:spAutoFit/>
+          </a:bodyPr>
+          <a:lstStyle/>
+          <a:p>
+            <a:pPr marL="285750" indent="-285750">
+              <a:buFont typeface="Arial" panose="020B0604020202020204" pitchFamily="34" charset="0"/>
+              <a:buChar char="•"/>
+            </a:pPr>
+            <a:r>
+              <a:rPr lang="en-US" sz="2000" dirty="0" smtClean="0"/>
+              <a:t>We used ApexCharts library to map total renewable energy capacity for US by types.</a:t>
+            </a:r>
+            <a:endParaRPr lang="en-US" sz="2000" dirty="0"/>
+          </a:p>
+        </p:txBody>
+      </p:sp>
+      <p:pic>
+        <p:nvPicPr>
+          <p:cNvPr id="2" name="Picture 1"/>
+          <p:cNvPicPr>
+            <a:picLocks noChangeAspect="1"/>
+          </p:cNvPicPr>
+          <p:nvPr/>
+        </p:nvPicPr>
+        <p:blipFill>
+          <a:blip r:embed="rId2">
+            <a:extLst>
+              <a:ext uri="{28A0092B-C50C-407E-A947-70E740481C1C}">
+                <a14:useLocalDpi xmlns:a14="http://schemas.microsoft.com/office/drawing/2010/main" val="0"/>
+              </a:ext>
+            </a:extLst>
+          </a:blip>
+          <a:stretch>
+            <a:fillRect/>
+          </a:stretch>
+        </p:blipFill>
+        <p:spPr>
+          <a:xfrm>
+            <a:off x="350684" y="3362631"/>
+            <a:ext cx="5634337" cy="2625213"/>
+          </a:xfrm>
+          <a:prstGeom prst="rect">
+            <a:avLst/>
+          </a:prstGeom>
+        </p:spPr>
+      </p:pic>
+      <p:pic>
+        <p:nvPicPr>
+          <p:cNvPr id="3" name="Picture 2"/>
+          <p:cNvPicPr>
+            <a:picLocks noChangeAspect="1"/>
+          </p:cNvPicPr>
+          <p:nvPr/>
+        </p:nvPicPr>
+        <p:blipFill rotWithShape="1">
+          <a:blip r:embed="rId3">
+            <a:extLst>
+              <a:ext uri="{28A0092B-C50C-407E-A947-70E740481C1C}">
+                <a14:useLocalDpi xmlns:a14="http://schemas.microsoft.com/office/drawing/2010/main" val="0"/>
+              </a:ext>
+            </a:extLst>
+          </a:blip>
+          <a:srcRect r="32417" b="89608"/>
+          <a:stretch/>
+        </p:blipFill>
+        <p:spPr>
+          <a:xfrm>
+            <a:off x="5985021" y="3362631"/>
+            <a:ext cx="3935727" cy="235975"/>
+          </a:xfrm>
+          <a:prstGeom prst="rect">
+            <a:avLst/>
+          </a:prstGeom>
+        </p:spPr>
+      </p:pic>
+      <p:pic>
+        <p:nvPicPr>
+          <p:cNvPr id="10" name="Picture 9"/>
+          <p:cNvPicPr>
+            <a:picLocks noChangeAspect="1"/>
+          </p:cNvPicPr>
+          <p:nvPr/>
+        </p:nvPicPr>
+        <p:blipFill>
+          <a:blip r:embed="rId4">
+            <a:extLst>
+              <a:ext uri="{28A0092B-C50C-407E-A947-70E740481C1C}">
+                <a14:useLocalDpi xmlns:a14="http://schemas.microsoft.com/office/drawing/2010/main" val="0"/>
+              </a:ext>
+            </a:extLst>
+          </a:blip>
+          <a:stretch>
+            <a:fillRect/>
+          </a:stretch>
+        </p:blipFill>
+        <p:spPr>
+          <a:xfrm>
+            <a:off x="6320356" y="3502767"/>
+            <a:ext cx="2766127" cy="2485077"/>
+          </a:xfrm>
+          <a:prstGeom prst="rect">
+            <a:avLst/>
+          </a:prstGeom>
+        </p:spPr>
+      </p:pic>
+    </p:spTree>
+    <p:extLst>
+      <p:ext uri="{BB962C8B-B14F-4D97-AF65-F5344CB8AC3E}">
+        <p14:creationId xmlns:p14="http://schemas.microsoft.com/office/powerpoint/2010/main" val="2380719992"/>
+      </p:ext>
+    </p:extLst>
+  </p:cSld>
+  <p:clrMapOvr>
+    <a:masterClrMapping/>
+  </p:clrMapOvr>
+</p:sld>
+</file>
+
+<file path=ppt/slides/slide5.xml><?xml version="1.0" encoding="utf-8"?>
+<p:sld xmlns:a="http://schemas.openxmlformats.org/drawingml/2006/main" xmlns:r="http://schemas.openxmlformats.org/officeDocument/2006/relationships" xmlns:p="http://schemas.openxmlformats.org/presentationml/2006/main">
+  <p:cSld>
+    <p:spTree>
+      <p:nvGrpSpPr>
+        <p:cNvPr id="1" name=""/>
+        <p:cNvGrpSpPr/>
+        <p:nvPr/>
+      </p:nvGrpSpPr>
+      <p:grpSpPr>
+        <a:xfrm>
+          <a:off x="0" y="0"/>
+          <a:ext cx="0" cy="0"/>
+          <a:chOff x="0" y="0"/>
+          <a:chExt cx="0" cy="0"/>
+        </a:xfrm>
+      </p:grpSpPr>
+      <p:sp>
+        <p:nvSpPr>
           <p:cNvPr id="2" name="Title 1">
             <a:extLst>
               <a:ext uri="{FF2B5EF4-FFF2-40B4-BE49-F238E27FC236}">
@@ -7013,6 +7336,363 @@
         </p:nvSpPr>
         <p:spPr>
           <a:xfrm>
+            <a:off x="726496" y="619410"/>
+            <a:ext cx="8596668" cy="757382"/>
+          </a:xfrm>
+        </p:spPr>
+        <p:txBody>
+          <a:bodyPr/>
+          <a:lstStyle/>
+          <a:p>
+            <a:r>
+              <a:rPr lang="en-US" dirty="0"/>
+              <a:t>Troubleshooting</a:t>
+            </a:r>
+          </a:p>
+        </p:txBody>
+      </p:sp>
+      <p:sp>
+        <p:nvSpPr>
+          <p:cNvPr id="5" name="TextBox 4"/>
+          <p:cNvSpPr txBox="1"/>
+          <p:nvPr/>
+        </p:nvSpPr>
+        <p:spPr>
+          <a:xfrm>
+            <a:off x="1525611" y="1439192"/>
+            <a:ext cx="1928733" cy="369332"/>
+          </a:xfrm>
+          <a:prstGeom prst="rect">
+            <a:avLst/>
+          </a:prstGeom>
+          <a:noFill/>
+        </p:spPr>
+        <p:txBody>
+          <a:bodyPr wrap="none" rtlCol="0">
+            <a:spAutoFit/>
+          </a:bodyPr>
+          <a:lstStyle/>
+          <a:p>
+            <a:pPr marL="285750" indent="-285750">
+              <a:buFont typeface="Arial" panose="020B0604020202020204" pitchFamily="34" charset="0"/>
+              <a:buChar char="•"/>
+            </a:pPr>
+            <a:r>
+              <a:rPr lang="en-US" b="1" dirty="0" smtClean="0"/>
+              <a:t>Data cleaning</a:t>
+            </a:r>
+            <a:endParaRPr lang="en-US" b="1" dirty="0"/>
+          </a:p>
+        </p:txBody>
+      </p:sp>
+      <p:sp>
+        <p:nvSpPr>
+          <p:cNvPr id="6" name="TextBox 5"/>
+          <p:cNvSpPr txBox="1"/>
+          <p:nvPr/>
+        </p:nvSpPr>
+        <p:spPr>
+          <a:xfrm>
+            <a:off x="1525611" y="2569741"/>
+            <a:ext cx="2420856" cy="369332"/>
+          </a:xfrm>
+          <a:prstGeom prst="rect">
+            <a:avLst/>
+          </a:prstGeom>
+          <a:noFill/>
+        </p:spPr>
+        <p:txBody>
+          <a:bodyPr wrap="none" rtlCol="0">
+            <a:spAutoFit/>
+          </a:bodyPr>
+          <a:lstStyle/>
+          <a:p>
+            <a:pPr marL="285750" indent="-285750">
+              <a:buFont typeface="Arial" panose="020B0604020202020204" pitchFamily="34" charset="0"/>
+              <a:buChar char="•"/>
+            </a:pPr>
+            <a:r>
+              <a:rPr lang="en-US" b="1" dirty="0" smtClean="0"/>
+              <a:t>Database creation</a:t>
+            </a:r>
+            <a:endParaRPr lang="en-US" b="1" dirty="0"/>
+          </a:p>
+        </p:txBody>
+      </p:sp>
+      <p:sp>
+        <p:nvSpPr>
+          <p:cNvPr id="7" name="TextBox 6"/>
+          <p:cNvSpPr txBox="1"/>
+          <p:nvPr/>
+        </p:nvSpPr>
+        <p:spPr>
+          <a:xfrm>
+            <a:off x="1366293" y="4067218"/>
+            <a:ext cx="3910045" cy="369332"/>
+          </a:xfrm>
+          <a:prstGeom prst="rect">
+            <a:avLst/>
+          </a:prstGeom>
+          <a:noFill/>
+        </p:spPr>
+        <p:txBody>
+          <a:bodyPr wrap="none" rtlCol="0">
+            <a:spAutoFit/>
+          </a:bodyPr>
+          <a:lstStyle/>
+          <a:p>
+            <a:pPr marL="285750" indent="-285750">
+              <a:buFont typeface="Arial" panose="020B0604020202020204" pitchFamily="34" charset="0"/>
+              <a:buChar char="•"/>
+            </a:pPr>
+            <a:r>
+              <a:rPr lang="en-US" b="1" dirty="0" smtClean="0"/>
+              <a:t>Jsonify the data from database.</a:t>
+            </a:r>
+            <a:endParaRPr lang="en-US" b="1" dirty="0"/>
+          </a:p>
+        </p:txBody>
+      </p:sp>
+      <p:sp>
+        <p:nvSpPr>
+          <p:cNvPr id="8" name="TextBox 7"/>
+          <p:cNvSpPr txBox="1"/>
+          <p:nvPr/>
+        </p:nvSpPr>
+        <p:spPr>
+          <a:xfrm>
+            <a:off x="2095882" y="4505077"/>
+            <a:ext cx="6784258" cy="646331"/>
+          </a:xfrm>
+          <a:prstGeom prst="rect">
+            <a:avLst/>
+          </a:prstGeom>
+          <a:noFill/>
+        </p:spPr>
+        <p:txBody>
+          <a:bodyPr wrap="square" rtlCol="0">
+            <a:spAutoFit/>
+          </a:bodyPr>
+          <a:lstStyle/>
+          <a:p>
+            <a:pPr marL="285750" indent="-285750">
+              <a:buFont typeface="Arial" panose="020B0604020202020204" pitchFamily="34" charset="0"/>
+              <a:buChar char="•"/>
+            </a:pPr>
+            <a:r>
+              <a:rPr lang="en-US" dirty="0" smtClean="0">
+                <a:solidFill>
+                  <a:srgbClr val="FF0000"/>
+                </a:solidFill>
+              </a:rPr>
+              <a:t>Order of data </a:t>
+            </a:r>
+            <a:r>
+              <a:rPr lang="en-US" dirty="0" smtClean="0"/>
+              <a:t>in results pulled from Database should be same as the order in sending it in dictionary while using </a:t>
+            </a:r>
+            <a:r>
+              <a:rPr lang="en-US" dirty="0" err="1" smtClean="0"/>
+              <a:t>Jsonify</a:t>
+            </a:r>
+            <a:r>
+              <a:rPr lang="en-US" dirty="0" smtClean="0"/>
+              <a:t>. </a:t>
+            </a:r>
+            <a:endParaRPr lang="en-US" dirty="0"/>
+          </a:p>
+        </p:txBody>
+      </p:sp>
+      <p:sp>
+        <p:nvSpPr>
+          <p:cNvPr id="9" name="TextBox 8"/>
+          <p:cNvSpPr txBox="1"/>
+          <p:nvPr/>
+        </p:nvSpPr>
+        <p:spPr>
+          <a:xfrm>
+            <a:off x="2092845" y="1854883"/>
+            <a:ext cx="6784258" cy="646331"/>
+          </a:xfrm>
+          <a:prstGeom prst="rect">
+            <a:avLst/>
+          </a:prstGeom>
+          <a:noFill/>
+        </p:spPr>
+        <p:txBody>
+          <a:bodyPr wrap="square" rtlCol="0">
+            <a:spAutoFit/>
+          </a:bodyPr>
+          <a:lstStyle/>
+          <a:p>
+            <a:pPr marL="285750" indent="-285750">
+              <a:buFont typeface="Arial" panose="020B0604020202020204" pitchFamily="34" charset="0"/>
+              <a:buChar char="•"/>
+            </a:pPr>
+            <a:r>
+              <a:rPr lang="en-US" dirty="0" smtClean="0"/>
+              <a:t>Relatively smooth. Different energy units in raw data (</a:t>
+            </a:r>
+            <a:r>
+              <a:rPr lang="en-US" dirty="0" err="1" smtClean="0"/>
+              <a:t>GWh</a:t>
+            </a:r>
+            <a:r>
+              <a:rPr lang="en-US" dirty="0" smtClean="0"/>
+              <a:t>, BTU) and needed a conversion.  </a:t>
+            </a:r>
+            <a:endParaRPr lang="en-US" dirty="0"/>
+          </a:p>
+        </p:txBody>
+      </p:sp>
+      <p:sp>
+        <p:nvSpPr>
+          <p:cNvPr id="10" name="TextBox 9"/>
+          <p:cNvSpPr txBox="1"/>
+          <p:nvPr/>
+        </p:nvSpPr>
+        <p:spPr>
+          <a:xfrm>
+            <a:off x="2095882" y="2916271"/>
+            <a:ext cx="6784258" cy="1200329"/>
+          </a:xfrm>
+          <a:prstGeom prst="rect">
+            <a:avLst/>
+          </a:prstGeom>
+          <a:noFill/>
+        </p:spPr>
+        <p:txBody>
+          <a:bodyPr wrap="square" rtlCol="0">
+            <a:spAutoFit/>
+          </a:bodyPr>
+          <a:lstStyle/>
+          <a:p>
+            <a:pPr marL="285750" indent="-285750">
+              <a:buFont typeface="Arial" panose="020B0604020202020204" pitchFamily="34" charset="0"/>
+              <a:buChar char="•"/>
+            </a:pPr>
+            <a:r>
+              <a:rPr lang="en-US" dirty="0" smtClean="0"/>
+              <a:t>We created </a:t>
+            </a:r>
+            <a:r>
+              <a:rPr lang="en-US" dirty="0" err="1" smtClean="0"/>
+              <a:t>dataframe</a:t>
+            </a:r>
+            <a:r>
+              <a:rPr lang="en-US" dirty="0" smtClean="0"/>
+              <a:t> with all small letter column names, and did same in creating table in </a:t>
+            </a:r>
+            <a:r>
+              <a:rPr lang="en-US" dirty="0" err="1" smtClean="0"/>
+              <a:t>postgres</a:t>
+            </a:r>
+            <a:r>
+              <a:rPr lang="en-US" dirty="0" smtClean="0"/>
+              <a:t> database. So we had no problem in in sending data from </a:t>
+            </a:r>
+            <a:r>
+              <a:rPr lang="en-US" dirty="0" err="1" smtClean="0"/>
+              <a:t>dataframe</a:t>
+            </a:r>
+            <a:r>
+              <a:rPr lang="en-US" dirty="0" smtClean="0"/>
+              <a:t> like in ETL project.</a:t>
+            </a:r>
+            <a:endParaRPr lang="en-US" dirty="0"/>
+          </a:p>
+        </p:txBody>
+      </p:sp>
+      <p:sp>
+        <p:nvSpPr>
+          <p:cNvPr id="11" name="TextBox 10"/>
+          <p:cNvSpPr txBox="1"/>
+          <p:nvPr/>
+        </p:nvSpPr>
+        <p:spPr>
+          <a:xfrm>
+            <a:off x="1525611" y="5286747"/>
+            <a:ext cx="6394699" cy="369332"/>
+          </a:xfrm>
+          <a:prstGeom prst="rect">
+            <a:avLst/>
+          </a:prstGeom>
+          <a:noFill/>
+        </p:spPr>
+        <p:txBody>
+          <a:bodyPr wrap="none" rtlCol="0">
+            <a:spAutoFit/>
+          </a:bodyPr>
+          <a:lstStyle/>
+          <a:p>
+            <a:pPr marL="285750" indent="-285750">
+              <a:buFont typeface="Arial" panose="020B0604020202020204" pitchFamily="34" charset="0"/>
+              <a:buChar char="•"/>
+            </a:pPr>
+            <a:r>
+              <a:rPr lang="en-US" b="1" dirty="0" smtClean="0"/>
+              <a:t>Problem with Index </a:t>
+            </a:r>
+            <a:r>
+              <a:rPr lang="en-US" b="1" dirty="0" smtClean="0"/>
+              <a:t>file for main landing page to work</a:t>
+            </a:r>
+            <a:r>
+              <a:rPr lang="en-US" b="1" dirty="0" smtClean="0"/>
+              <a:t>.</a:t>
+            </a:r>
+            <a:endParaRPr lang="en-US" b="1" dirty="0"/>
+          </a:p>
+        </p:txBody>
+      </p:sp>
+    </p:spTree>
+    <p:extLst>
+      <p:ext uri="{BB962C8B-B14F-4D97-AF65-F5344CB8AC3E}">
+        <p14:creationId xmlns:p14="http://schemas.microsoft.com/office/powerpoint/2010/main" val="4137323966"/>
+      </p:ext>
+    </p:extLst>
+  </p:cSld>
+  <p:clrMapOvr>
+    <a:masterClrMapping/>
+  </p:clrMapOvr>
+</p:sld>
+</file>
+
+<file path=ppt/slides/slide6.xml><?xml version="1.0" encoding="utf-8"?>
+<p:sld xmlns:a="http://schemas.openxmlformats.org/drawingml/2006/main" xmlns:r="http://schemas.openxmlformats.org/officeDocument/2006/relationships" xmlns:p="http://schemas.openxmlformats.org/presentationml/2006/main">
+  <p:cSld>
+    <p:spTree>
+      <p:nvGrpSpPr>
+        <p:cNvPr id="1" name=""/>
+        <p:cNvGrpSpPr/>
+        <p:nvPr/>
+      </p:nvGrpSpPr>
+      <p:grpSpPr>
+        <a:xfrm>
+          <a:off x="0" y="0"/>
+          <a:ext cx="0" cy="0"/>
+          <a:chOff x="0" y="0"/>
+          <a:chExt cx="0" cy="0"/>
+        </a:xfrm>
+      </p:grpSpPr>
+      <p:sp>
+        <p:nvSpPr>
+          <p:cNvPr id="2" name="Title 1">
+            <a:extLst>
+              <a:ext uri="{FF2B5EF4-FFF2-40B4-BE49-F238E27FC236}">
+                <a16:creationId xmlns:a16="http://schemas.microsoft.com/office/drawing/2014/main" id="{22539341-1C65-47DC-A666-28451C56CE83}"/>
+              </a:ext>
+            </a:extLst>
+          </p:cNvPr>
+          <p:cNvSpPr>
+            <a:spLocks noGrp="1"/>
+          </p:cNvSpPr>
+          <p:nvPr>
+            <p:ph type="title"/>
+          </p:nvPr>
+        </p:nvSpPr>
+        <p:spPr>
+          <a:xfrm>
             <a:off x="210609" y="114300"/>
             <a:ext cx="8596668" cy="695325"/>
           </a:xfrm>
@@ -7023,7 +7703,155 @@
           <a:p>
             <a:r>
               <a:rPr lang="en-US" dirty="0" smtClean="0"/>
-              <a:t>Visualization and Deployment</a:t>
+              <a:t>Findings: </a:t>
+            </a:r>
+            <a:endParaRPr lang="en-US" dirty="0"/>
+          </a:p>
+        </p:txBody>
+      </p:sp>
+      <p:sp>
+        <p:nvSpPr>
+          <p:cNvPr id="4" name="TextBox 3"/>
+          <p:cNvSpPr txBox="1"/>
+          <p:nvPr/>
+        </p:nvSpPr>
+        <p:spPr>
+          <a:xfrm>
+            <a:off x="1170039" y="1150374"/>
+            <a:ext cx="7395101" cy="369332"/>
+          </a:xfrm>
+          <a:prstGeom prst="rect">
+            <a:avLst/>
+          </a:prstGeom>
+          <a:noFill/>
+        </p:spPr>
+        <p:txBody>
+          <a:bodyPr wrap="none" rtlCol="0">
+            <a:spAutoFit/>
+          </a:bodyPr>
+          <a:lstStyle/>
+          <a:p>
+            <a:pPr marL="285750" indent="-285750">
+              <a:buFont typeface="Arial" panose="020B0604020202020204" pitchFamily="34" charset="0"/>
+              <a:buChar char="•"/>
+            </a:pPr>
+            <a:r>
+              <a:rPr lang="en-US" dirty="0" smtClean="0"/>
+              <a:t>Texas was the state with largest renewable energy excess capacity.</a:t>
+            </a:r>
+            <a:endParaRPr lang="en-US" dirty="0"/>
+          </a:p>
+        </p:txBody>
+      </p:sp>
+      <p:sp>
+        <p:nvSpPr>
+          <p:cNvPr id="5" name="TextBox 4"/>
+          <p:cNvSpPr txBox="1"/>
+          <p:nvPr/>
+        </p:nvSpPr>
+        <p:spPr>
+          <a:xfrm>
+            <a:off x="1170039" y="1675789"/>
+            <a:ext cx="8393131" cy="369332"/>
+          </a:xfrm>
+          <a:prstGeom prst="rect">
+            <a:avLst/>
+          </a:prstGeom>
+          <a:noFill/>
+        </p:spPr>
+        <p:txBody>
+          <a:bodyPr wrap="none" rtlCol="0">
+            <a:spAutoFit/>
+          </a:bodyPr>
+          <a:lstStyle/>
+          <a:p>
+            <a:pPr marL="285750" indent="-285750">
+              <a:buFont typeface="Arial" panose="020B0604020202020204" pitchFamily="34" charset="0"/>
+              <a:buChar char="•"/>
+            </a:pPr>
+            <a:r>
+              <a:rPr lang="en-US" dirty="0" smtClean="0"/>
+              <a:t>Pennsylvania was the state with </a:t>
+            </a:r>
+            <a:r>
+              <a:rPr lang="en-US" dirty="0" smtClean="0">
+                <a:solidFill>
+                  <a:srgbClr val="FF0000"/>
+                </a:solidFill>
+              </a:rPr>
+              <a:t>negative</a:t>
+            </a:r>
+            <a:r>
+              <a:rPr lang="en-US" dirty="0" smtClean="0"/>
+              <a:t> renewable energy excess capacity.</a:t>
+            </a:r>
+            <a:endParaRPr lang="en-US" dirty="0"/>
+          </a:p>
+        </p:txBody>
+      </p:sp>
+      <p:sp>
+        <p:nvSpPr>
+          <p:cNvPr id="6" name="TextBox 5"/>
+          <p:cNvSpPr txBox="1"/>
+          <p:nvPr/>
+        </p:nvSpPr>
+        <p:spPr>
+          <a:xfrm>
+            <a:off x="1170039" y="2201204"/>
+            <a:ext cx="7771679" cy="369332"/>
+          </a:xfrm>
+          <a:prstGeom prst="rect">
+            <a:avLst/>
+          </a:prstGeom>
+          <a:noFill/>
+        </p:spPr>
+        <p:txBody>
+          <a:bodyPr wrap="none" rtlCol="0">
+            <a:spAutoFit/>
+          </a:bodyPr>
+          <a:lstStyle/>
+          <a:p>
+            <a:pPr marL="285750" indent="-285750">
+              <a:buFont typeface="Arial" panose="020B0604020202020204" pitchFamily="34" charset="0"/>
+              <a:buChar char="•"/>
+            </a:pPr>
+            <a:r>
+              <a:rPr lang="en-US" dirty="0" smtClean="0"/>
+              <a:t>Solar power was the renewable energy with maximum potential in US. </a:t>
+            </a:r>
+            <a:endParaRPr lang="en-US" dirty="0"/>
+          </a:p>
+        </p:txBody>
+      </p:sp>
+      <p:sp>
+        <p:nvSpPr>
+          <p:cNvPr id="7" name="TextBox 6"/>
+          <p:cNvSpPr txBox="1"/>
+          <p:nvPr/>
+        </p:nvSpPr>
+        <p:spPr>
+          <a:xfrm>
+            <a:off x="1170039" y="2726619"/>
+            <a:ext cx="7888698" cy="369332"/>
+          </a:xfrm>
+          <a:prstGeom prst="rect">
+            <a:avLst/>
+          </a:prstGeom>
+          <a:noFill/>
+        </p:spPr>
+        <p:txBody>
+          <a:bodyPr wrap="none" rtlCol="0">
+            <a:spAutoFit/>
+          </a:bodyPr>
+          <a:lstStyle/>
+          <a:p>
+            <a:pPr marL="285750" indent="-285750">
+              <a:buFont typeface="Arial" panose="020B0604020202020204" pitchFamily="34" charset="0"/>
+              <a:buChar char="•"/>
+            </a:pPr>
+            <a:r>
+              <a:rPr lang="en-US" dirty="0" smtClean="0"/>
+              <a:t>Hydro power was the renewable energy with minimum potential in US. </a:t>
             </a:r>
             <a:endParaRPr lang="en-US" dirty="0"/>
           </a:p>
@@ -7033,6 +7861,100 @@
     <p:extLst>
       <p:ext uri="{BB962C8B-B14F-4D97-AF65-F5344CB8AC3E}">
         <p14:creationId xmlns:p14="http://schemas.microsoft.com/office/powerpoint/2010/main" val="2908320628"/>
+      </p:ext>
+    </p:extLst>
+  </p:cSld>
+  <p:clrMapOvr>
+    <a:masterClrMapping/>
+  </p:clrMapOvr>
+</p:sld>
+</file>
+
+<file path=ppt/slides/slide7.xml><?xml version="1.0" encoding="utf-8"?>
+<p:sld xmlns:a="http://schemas.openxmlformats.org/drawingml/2006/main" xmlns:r="http://schemas.openxmlformats.org/officeDocument/2006/relationships" xmlns:p="http://schemas.openxmlformats.org/presentationml/2006/main">
+  <p:cSld>
+    <p:spTree>
+      <p:nvGrpSpPr>
+        <p:cNvPr id="1" name=""/>
+        <p:cNvGrpSpPr/>
+        <p:nvPr/>
+      </p:nvGrpSpPr>
+      <p:grpSpPr>
+        <a:xfrm>
+          <a:off x="0" y="0"/>
+          <a:ext cx="0" cy="0"/>
+          <a:chOff x="0" y="0"/>
+          <a:chExt cx="0" cy="0"/>
+        </a:xfrm>
+      </p:grpSpPr>
+      <p:sp>
+        <p:nvSpPr>
+          <p:cNvPr id="2" name="Title 1">
+            <a:extLst>
+              <a:ext uri="{FF2B5EF4-FFF2-40B4-BE49-F238E27FC236}">
+                <a16:creationId xmlns:a16="http://schemas.microsoft.com/office/drawing/2014/main" id="{22539341-1C65-47DC-A666-28451C56CE83}"/>
+              </a:ext>
+            </a:extLst>
+          </p:cNvPr>
+          <p:cNvSpPr>
+            <a:spLocks noGrp="1"/>
+          </p:cNvSpPr>
+          <p:nvPr>
+            <p:ph type="title"/>
+          </p:nvPr>
+        </p:nvSpPr>
+        <p:spPr>
+          <a:xfrm>
+            <a:off x="377757" y="625577"/>
+            <a:ext cx="8596668" cy="695325"/>
+          </a:xfrm>
+        </p:spPr>
+        <p:txBody>
+          <a:bodyPr/>
+          <a:lstStyle/>
+          <a:p>
+            <a:r>
+              <a:rPr lang="en-US" dirty="0" smtClean="0"/>
+              <a:t>Web Deployment: </a:t>
+            </a:r>
+            <a:endParaRPr lang="en-US" dirty="0"/>
+          </a:p>
+        </p:txBody>
+      </p:sp>
+      <p:sp>
+        <p:nvSpPr>
+          <p:cNvPr id="3" name="TextBox 2"/>
+          <p:cNvSpPr txBox="1"/>
+          <p:nvPr/>
+        </p:nvSpPr>
+        <p:spPr>
+          <a:xfrm>
+            <a:off x="2546555" y="2005781"/>
+            <a:ext cx="2572179" cy="369332"/>
+          </a:xfrm>
+          <a:prstGeom prst="rect">
+            <a:avLst/>
+          </a:prstGeom>
+          <a:noFill/>
+        </p:spPr>
+        <p:txBody>
+          <a:bodyPr wrap="none" rtlCol="0">
+            <a:spAutoFit/>
+          </a:bodyPr>
+          <a:lstStyle/>
+          <a:p>
+            <a:r>
+              <a:rPr lang="en-US" dirty="0" smtClean="0"/>
+              <a:t>Website hyperlink here</a:t>
+            </a:r>
+            <a:endParaRPr lang="en-US" dirty="0"/>
+          </a:p>
+        </p:txBody>
+      </p:sp>
+    </p:spTree>
+    <p:extLst>
+      <p:ext uri="{BB962C8B-B14F-4D97-AF65-F5344CB8AC3E}">
+        <p14:creationId xmlns:p14="http://schemas.microsoft.com/office/powerpoint/2010/main" val="776818363"/>
       </p:ext>
     </p:extLst>
   </p:cSld>
